--- a/1차발표_2015180023엄동연.pptx
+++ b/1차발표_2015180023엄동연.pptx
@@ -276,7 +276,7 @@
             <a:fld id="{5586B75A-687E-405C-8A0B-8D00578BA2C3}" type="datetimeFigureOut">
               <a:rPr lang="en-US" smtClean="0"/>
               <a:pPr/>
-              <a:t>9/20/2016</a:t>
+              <a:t>10/17/2016</a:t>
             </a:fld>
             <a:endParaRPr lang="en-US" dirty="0"/>
           </a:p>
@@ -447,7 +447,7 @@
           <a:p>
             <a:fld id="{5F4E5243-F52A-4D37-9694-EB26C6C31910}" type="datetimeFigureOut">
               <a:rPr lang="en-US" smtClean="0"/>
-              <a:t>9/20/2016</a:t>
+              <a:t>10/17/2016</a:t>
             </a:fld>
             <a:endParaRPr lang="en-US" dirty="0"/>
           </a:p>
@@ -627,7 +627,7 @@
           <a:p>
             <a:fld id="{3A77B6E1-634A-48DC-9E8B-D894023267EF}" type="datetimeFigureOut">
               <a:rPr lang="en-US" smtClean="0"/>
-              <a:t>9/20/2016</a:t>
+              <a:t>10/17/2016</a:t>
             </a:fld>
             <a:endParaRPr lang="en-US" dirty="0"/>
           </a:p>
@@ -797,7 +797,7 @@
           <a:p>
             <a:fld id="{7B2D3E9E-A95C-48F2-B4BF-A71542E0BE9A}" type="datetimeFigureOut">
               <a:rPr lang="en-US" smtClean="0"/>
-              <a:t>9/20/2016</a:t>
+              <a:t>10/17/2016</a:t>
             </a:fld>
             <a:endParaRPr lang="en-US" dirty="0"/>
           </a:p>
@@ -1062,7 +1062,7 @@
             <a:fld id="{5586B75A-687E-405C-8A0B-8D00578BA2C3}" type="datetimeFigureOut">
               <a:rPr lang="en-US" smtClean="0"/>
               <a:pPr/>
-              <a:t>9/20/2016</a:t>
+              <a:t>10/17/2016</a:t>
             </a:fld>
             <a:endParaRPr lang="en-US" dirty="0"/>
           </a:p>
@@ -1351,7 +1351,7 @@
           <a:p>
             <a:fld id="{F12952B5-7A2F-4CC8-B7CE-9234E21C2837}" type="datetimeFigureOut">
               <a:rPr lang="en-US" smtClean="0"/>
-              <a:t>9/20/2016</a:t>
+              <a:t>10/17/2016</a:t>
             </a:fld>
             <a:endParaRPr lang="en-US" dirty="0"/>
           </a:p>
@@ -1780,7 +1780,7 @@
           <a:p>
             <a:fld id="{CE1DA07A-9201-4B4B-BAF2-015AFA30F520}" type="datetimeFigureOut">
               <a:rPr lang="en-US" smtClean="0"/>
-              <a:t>9/20/2016</a:t>
+              <a:t>10/17/2016</a:t>
             </a:fld>
             <a:endParaRPr lang="en-US" dirty="0"/>
           </a:p>
@@ -1898,7 +1898,7 @@
           <a:p>
             <a:fld id="{73D7E00A-486F-4252-8B1D-E32645521F49}" type="datetimeFigureOut">
               <a:rPr lang="en-US" smtClean="0"/>
-              <a:t>9/20/2016</a:t>
+              <a:t>10/17/2016</a:t>
             </a:fld>
             <a:endParaRPr lang="en-US" dirty="0"/>
           </a:p>
@@ -1993,7 +1993,7 @@
           <a:p>
             <a:fld id="{8DDF5F92-E675-4B36-9A60-69A962A68675}" type="datetimeFigureOut">
               <a:rPr lang="en-US" smtClean="0"/>
-              <a:t>9/20/2016</a:t>
+              <a:t>10/17/2016</a:t>
             </a:fld>
             <a:endParaRPr lang="en-US" dirty="0"/>
           </a:p>
@@ -2349,7 +2349,7 @@
           <a:p>
             <a:fld id="{AF6E2C9B-5FA2-460D-9BE7-B0812FC2A6FF}" type="datetimeFigureOut">
               <a:rPr lang="en-US" smtClean="0"/>
-              <a:t>9/20/2016</a:t>
+              <a:t>10/17/2016</a:t>
             </a:fld>
             <a:endParaRPr lang="en-US" dirty="0"/>
           </a:p>
@@ -2654,7 +2654,7 @@
             <a:fld id="{5586B75A-687E-405C-8A0B-8D00578BA2C3}" type="datetimeFigureOut">
               <a:rPr lang="en-US" smtClean="0"/>
               <a:pPr/>
-              <a:t>9/20/2016</a:t>
+              <a:t>10/17/2016</a:t>
             </a:fld>
             <a:endParaRPr lang="en-US" dirty="0"/>
           </a:p>
@@ -2869,7 +2869,7 @@
             <a:fld id="{5586B75A-687E-405C-8A0B-8D00578BA2C3}" type="datetimeFigureOut">
               <a:rPr lang="en-US" smtClean="0"/>
               <a:pPr/>
-              <a:t>9/20/2016</a:t>
+              <a:t>10/17/2016</a:t>
             </a:fld>
             <a:endParaRPr lang="en-US" dirty="0"/>
           </a:p>

--- a/1차발표_2015180023엄동연.pptx
+++ b/1차발표_2015180023엄동연.pptx
@@ -9271,7 +9271,7 @@
           <p:nvPr>
             <p:extLst>
               <p:ext uri="{D42A27DB-BD31-4B8C-83A1-F6EECF244321}">
-                <p14:modId xmlns:p14="http://schemas.microsoft.com/office/powerpoint/2010/main" val="3688153060"/>
+                <p14:modId xmlns:p14="http://schemas.microsoft.com/office/powerpoint/2010/main" val="4087078475"/>
               </p:ext>
             </p:extLst>
           </p:nvPr>
@@ -9860,6 +9860,23 @@
                         <a:tabLst/>
                       </a:pPr>
                       <a:r>
+                        <a:rPr kumimoji="0" lang="ko-KR" altLang="en-US" sz="1300" b="0" i="0" u="none" strike="noStrike" cap="none" normalizeH="0" baseline="0" dirty="0">
+                          <a:ln>
+                            <a:noFill/>
+                          </a:ln>
+                          <a:solidFill>
+                            <a:schemeClr val="bg1">
+                              <a:lumMod val="75000"/>
+                              <a:lumOff val="25000"/>
+                            </a:schemeClr>
+                          </a:solidFill>
+                          <a:effectLst/>
+                          <a:latin typeface="나눔고딕" panose="020D0604000000000000" pitchFamily="50" charset="-127"/>
+                          <a:ea typeface="나눔고딕" panose="020D0604000000000000" pitchFamily="50" charset="-127"/>
+                        </a:rPr>
+                        <a:t>종 </a:t>
+                      </a:r>
+                      <a:r>
                         <a:rPr kumimoji="0" lang="ko-KR" altLang="en-US" sz="1300" b="0" i="0" u="none" strike="noStrike" cap="none" normalizeH="0" baseline="0" dirty="0" err="1">
                           <a:ln>
                             <a:noFill/>
@@ -9874,7 +9891,7 @@
                           <a:latin typeface="나눔고딕" panose="020D0604000000000000" pitchFamily="50" charset="-127"/>
                           <a:ea typeface="나눔고딕" panose="020D0604000000000000" pitchFamily="50" charset="-127"/>
                         </a:rPr>
-                        <a:t>종스크롤으로</a:t>
+                        <a:t>스크롤으로</a:t>
                       </a:r>
                       <a:r>
                         <a:rPr kumimoji="0" lang="ko-KR" altLang="en-US" sz="1300" b="0" i="0" u="none" strike="noStrike" cap="none" normalizeH="0" baseline="0" dirty="0">
@@ -10240,6 +10257,7 @@
                         <a:buFont typeface="Arial" panose="020B0604020202020204" pitchFamily="34" charset="0"/>
                         <a:buChar char="•"/>
                         <a:tabLst/>
+                        <a:defRPr/>
                       </a:pPr>
                       <a:r>
                         <a:rPr kumimoji="0" lang="ko-KR" altLang="en-US" sz="1300" b="0" i="0" u="none" strike="noStrike" cap="none" normalizeH="0" baseline="0" dirty="0">
@@ -10325,8 +10343,37 @@
                     <a:bodyPr/>
                     <a:lstStyle/>
                     <a:p>
-                      <a:pPr latinLnBrk="1"/>
-                      <a:endParaRPr lang="ko-KR" altLang="en-US"/>
+                      <a:pPr marL="285750" marR="0" lvl="0" indent="-285750" algn="l" defTabSz="914400" rtl="0" eaLnBrk="1" fontAlgn="base" latinLnBrk="1" hangingPunct="1">
+                        <a:lnSpc>
+                          <a:spcPct val="100000"/>
+                        </a:lnSpc>
+                        <a:spcBef>
+                          <a:spcPct val="0"/>
+                        </a:spcBef>
+                        <a:spcAft>
+                          <a:spcPct val="0"/>
+                        </a:spcAft>
+                        <a:buClrTx/>
+                        <a:buSzTx/>
+                        <a:buFont typeface="Arial" panose="020B0604020202020204" pitchFamily="34" charset="0"/>
+                        <a:buChar char="•"/>
+                        <a:tabLst/>
+                        <a:defRPr/>
+                      </a:pPr>
+                      <a:endParaRPr kumimoji="0" lang="en-US" altLang="ko-KR" sz="1300" b="0" i="0" u="none" strike="noStrike" cap="none" normalizeH="0" baseline="0" dirty="0">
+                        <a:ln>
+                          <a:noFill/>
+                        </a:ln>
+                        <a:solidFill>
+                          <a:schemeClr val="bg1">
+                            <a:lumMod val="75000"/>
+                            <a:lumOff val="25000"/>
+                          </a:schemeClr>
+                        </a:solidFill>
+                        <a:effectLst/>
+                        <a:latin typeface="나눔고딕" panose="020D0604000000000000" pitchFamily="50" charset="-127"/>
+                        <a:ea typeface="나눔고딕" panose="020D0604000000000000" pitchFamily="50" charset="-127"/>
+                      </a:endParaRPr>
                     </a:p>
                   </a:txBody>
                   <a:tcPr/>
